--- a/A trier/Présentation Projet technique.pptx
+++ b/A trier/Présentation Projet technique.pptx
@@ -6,6 +6,12 @@
   </p:sldMasterIdLst>
   <p:sldIdLst>
     <p:sldId id="256" r:id="rId2"/>
+    <p:sldId id="257" r:id="rId3"/>
+    <p:sldId id="261" r:id="rId4"/>
+    <p:sldId id="262" r:id="rId5"/>
+    <p:sldId id="263" r:id="rId6"/>
+    <p:sldId id="264" r:id="rId7"/>
+    <p:sldId id="265" r:id="rId8"/>
   </p:sldIdLst>
   <p:sldSz cx="12192000" cy="6858000"/>
   <p:notesSz cx="6858000" cy="9144000"/>
@@ -110,6 +116,10 @@
     </p:ext>
   </p:extLst>
 </p:presentation>
+</file>
+
+<file path=ppt/revisionInfo.xml><?xml version="1.0" encoding="utf-8"?>
+<p1510:revInfo xmlns:a="http://schemas.openxmlformats.org/drawingml/2006/main" xmlns:r="http://schemas.openxmlformats.org/officeDocument/2006/relationships" xmlns:p1510="http://schemas.microsoft.com/office/powerpoint/2015/10/main"/>
 </file>
 
 <file path=ppt/slideLayouts/slideLayout1.xml><?xml version="1.0" encoding="utf-8"?>
@@ -692,7 +702,7 @@
           </a:lstStyle>
           <a:p>
             <a:r>
-              <a:rPr lang="fr-FR" smtClean="0"/>
+              <a:rPr lang="fr-FR"/>
               <a:t>Modifiez le style du titre</a:t>
             </a:r>
             <a:endParaRPr lang="en-US" dirty="0"/>
@@ -812,7 +822,7 @@
           </a:lstStyle>
           <a:p>
             <a:r>
-              <a:rPr lang="fr-FR" smtClean="0"/>
+              <a:rPr lang="fr-FR"/>
               <a:t>Modifier le style des sous-titres du masque</a:t>
             </a:r>
             <a:endParaRPr lang="en-US" dirty="0"/>
@@ -836,7 +846,7 @@
           <a:p>
             <a:fld id="{48A87A34-81AB-432B-8DAE-1953F412C126}" type="datetimeFigureOut">
               <a:rPr lang="en-US" smtClean="0"/>
-              <a:t>1/9/2018</a:t>
+              <a:t>1/29/2018</a:t>
             </a:fld>
             <a:endParaRPr lang="en-US" dirty="0"/>
           </a:p>
@@ -941,7 +951,7 @@
           </a:lstStyle>
           <a:p>
             <a:r>
-              <a:rPr lang="fr-FR" smtClean="0"/>
+              <a:rPr lang="fr-FR"/>
               <a:t>Modifiez le style du titre</a:t>
             </a:r>
             <a:endParaRPr lang="en-US" dirty="0"/>
@@ -1064,7 +1074,7 @@
           <a:p>
             <a:pPr lvl="0"/>
             <a:r>
-              <a:rPr lang="fr-FR" smtClean="0"/>
+              <a:rPr lang="fr-FR"/>
               <a:t>Modifier les styles du texte du masque</a:t>
             </a:r>
           </a:p>
@@ -1087,7 +1097,7 @@
           <a:p>
             <a:fld id="{48A87A34-81AB-432B-8DAE-1953F412C126}" type="datetimeFigureOut">
               <a:rPr lang="en-US" smtClean="0"/>
-              <a:t>1/9/2018</a:t>
+              <a:t>1/29/2018</a:t>
             </a:fld>
             <a:endParaRPr lang="en-US" dirty="0"/>
           </a:p>
@@ -1192,7 +1202,7 @@
           </a:lstStyle>
           <a:p>
             <a:r>
-              <a:rPr lang="fr-FR" smtClean="0"/>
+              <a:rPr lang="fr-FR"/>
               <a:t>Modifiez le style du titre</a:t>
             </a:r>
             <a:endParaRPr lang="en-US" dirty="0"/>
@@ -1256,7 +1266,7 @@
           <a:p>
             <a:pPr lvl="0"/>
             <a:r>
-              <a:rPr lang="fr-FR" smtClean="0"/>
+              <a:rPr lang="fr-FR"/>
               <a:t>Modifier les styles du texte du masque</a:t>
             </a:r>
           </a:p>
@@ -1378,7 +1388,7 @@
           <a:p>
             <a:pPr lvl="0"/>
             <a:r>
-              <a:rPr lang="fr-FR" smtClean="0"/>
+              <a:rPr lang="fr-FR"/>
               <a:t>Modifier les styles du texte du masque</a:t>
             </a:r>
           </a:p>
@@ -1401,7 +1411,7 @@
           <a:p>
             <a:fld id="{48A87A34-81AB-432B-8DAE-1953F412C126}" type="datetimeFigureOut">
               <a:rPr lang="en-US" smtClean="0"/>
-              <a:t>1/9/2018</a:t>
+              <a:t>1/29/2018</a:t>
             </a:fld>
             <a:endParaRPr lang="en-US" dirty="0"/>
           </a:p>
@@ -1582,7 +1592,7 @@
           </a:lstStyle>
           <a:p>
             <a:r>
-              <a:rPr lang="fr-FR" smtClean="0"/>
+              <a:rPr lang="fr-FR"/>
               <a:t>Modifiez le style du titre</a:t>
             </a:r>
             <a:endParaRPr lang="en-US" dirty="0"/>
@@ -1705,7 +1715,7 @@
           <a:p>
             <a:pPr lvl="0"/>
             <a:r>
-              <a:rPr lang="fr-FR" smtClean="0"/>
+              <a:rPr lang="fr-FR"/>
               <a:t>Modifier les styles du texte du masque</a:t>
             </a:r>
           </a:p>
@@ -1728,7 +1738,7 @@
           <a:p>
             <a:fld id="{48A87A34-81AB-432B-8DAE-1953F412C126}" type="datetimeFigureOut">
               <a:rPr lang="en-US" smtClean="0"/>
-              <a:t>1/9/2018</a:t>
+              <a:t>1/29/2018</a:t>
             </a:fld>
             <a:endParaRPr lang="en-US" dirty="0"/>
           </a:p>
@@ -1833,7 +1843,7 @@
           </a:lstStyle>
           <a:p>
             <a:r>
-              <a:rPr lang="fr-FR" smtClean="0"/>
+              <a:rPr lang="fr-FR"/>
               <a:t>Modifiez le style du titre</a:t>
             </a:r>
             <a:endParaRPr lang="en-US" dirty="0"/>
@@ -1897,7 +1907,7 @@
           <a:p>
             <a:pPr lvl="0"/>
             <a:r>
-              <a:rPr lang="fr-FR" smtClean="0"/>
+              <a:rPr lang="fr-FR"/>
               <a:t>Modifier les styles du texte du masque</a:t>
             </a:r>
           </a:p>
@@ -2019,7 +2029,7 @@
           <a:p>
             <a:pPr lvl="0"/>
             <a:r>
-              <a:rPr lang="fr-FR" smtClean="0"/>
+              <a:rPr lang="fr-FR"/>
               <a:t>Modifier les styles du texte du masque</a:t>
             </a:r>
           </a:p>
@@ -2043,7 +2053,7 @@
             <a:fld id="{48A87A34-81AB-432B-8DAE-1953F412C126}" type="datetimeFigureOut">
               <a:rPr lang="en-US" smtClean="0"/>
               <a:pPr/>
-              <a:t>1/9/2018</a:t>
+              <a:t>1/29/2018</a:t>
             </a:fld>
             <a:endParaRPr lang="en-US" dirty="0"/>
           </a:p>
@@ -2225,7 +2235,7 @@
           </a:lstStyle>
           <a:p>
             <a:r>
-              <a:rPr lang="fr-FR" smtClean="0"/>
+              <a:rPr lang="fr-FR"/>
               <a:t>Modifiez le style du titre</a:t>
             </a:r>
             <a:endParaRPr lang="en-US" dirty="0"/>
@@ -2286,7 +2296,7 @@
           <a:p>
             <a:pPr lvl="0"/>
             <a:r>
-              <a:rPr lang="fr-FR" smtClean="0"/>
+              <a:rPr lang="fr-FR"/>
               <a:t>Modifier les styles du texte du masque</a:t>
             </a:r>
           </a:p>
@@ -2408,7 +2418,7 @@
           <a:p>
             <a:pPr lvl="0"/>
             <a:r>
-              <a:rPr lang="fr-FR" smtClean="0"/>
+              <a:rPr lang="fr-FR"/>
               <a:t>Modifier les styles du texte du masque</a:t>
             </a:r>
           </a:p>
@@ -2432,7 +2442,7 @@
             <a:fld id="{48A87A34-81AB-432B-8DAE-1953F412C126}" type="datetimeFigureOut">
               <a:rPr lang="en-US" smtClean="0"/>
               <a:pPr/>
-              <a:t>1/9/2018</a:t>
+              <a:t>1/29/2018</a:t>
             </a:fld>
             <a:endParaRPr lang="en-US" dirty="0"/>
           </a:p>
@@ -2527,7 +2537,7 @@
           <a:lstStyle/>
           <a:p>
             <a:r>
-              <a:rPr lang="fr-FR" smtClean="0"/>
+              <a:rPr lang="fr-FR"/>
               <a:t>Modifiez le style du titre</a:t>
             </a:r>
             <a:endParaRPr lang="en-US" dirty="0"/>
@@ -2551,35 +2561,35 @@
           <a:p>
             <a:pPr lvl="0"/>
             <a:r>
-              <a:rPr lang="fr-FR" smtClean="0"/>
+              <a:rPr lang="fr-FR"/>
               <a:t>Modifier les styles du texte du masque</a:t>
             </a:r>
           </a:p>
           <a:p>
             <a:pPr lvl="1"/>
             <a:r>
-              <a:rPr lang="fr-FR" smtClean="0"/>
+              <a:rPr lang="fr-FR"/>
               <a:t>Deuxième niveau</a:t>
             </a:r>
           </a:p>
           <a:p>
             <a:pPr lvl="2"/>
             <a:r>
-              <a:rPr lang="fr-FR" smtClean="0"/>
+              <a:rPr lang="fr-FR"/>
               <a:t>Troisième niveau</a:t>
             </a:r>
           </a:p>
           <a:p>
             <a:pPr lvl="3"/>
             <a:r>
-              <a:rPr lang="fr-FR" smtClean="0"/>
+              <a:rPr lang="fr-FR"/>
               <a:t>Quatrième niveau</a:t>
             </a:r>
           </a:p>
           <a:p>
             <a:pPr lvl="4"/>
             <a:r>
-              <a:rPr lang="fr-FR" smtClean="0"/>
+              <a:rPr lang="fr-FR"/>
               <a:t>Cinquième niveau</a:t>
             </a:r>
             <a:endParaRPr lang="en-US" dirty="0"/>
@@ -2603,7 +2613,7 @@
           <a:p>
             <a:fld id="{48A87A34-81AB-432B-8DAE-1953F412C126}" type="datetimeFigureOut">
               <a:rPr lang="en-US" smtClean="0"/>
-              <a:t>1/9/2018</a:t>
+              <a:t>1/29/2018</a:t>
             </a:fld>
             <a:endParaRPr lang="en-US" dirty="0"/>
           </a:p>
@@ -2702,7 +2712,7 @@
           <a:lstStyle/>
           <a:p>
             <a:r>
-              <a:rPr lang="fr-FR" smtClean="0"/>
+              <a:rPr lang="fr-FR"/>
               <a:t>Modifiez le style du titre</a:t>
             </a:r>
             <a:endParaRPr lang="en-US" dirty="0"/>
@@ -2731,35 +2741,35 @@
           <a:p>
             <a:pPr lvl="0"/>
             <a:r>
-              <a:rPr lang="fr-FR" smtClean="0"/>
+              <a:rPr lang="fr-FR"/>
               <a:t>Modifier les styles du texte du masque</a:t>
             </a:r>
           </a:p>
           <a:p>
             <a:pPr lvl="1"/>
             <a:r>
-              <a:rPr lang="fr-FR" smtClean="0"/>
+              <a:rPr lang="fr-FR"/>
               <a:t>Deuxième niveau</a:t>
             </a:r>
           </a:p>
           <a:p>
             <a:pPr lvl="2"/>
             <a:r>
-              <a:rPr lang="fr-FR" smtClean="0"/>
+              <a:rPr lang="fr-FR"/>
               <a:t>Troisième niveau</a:t>
             </a:r>
           </a:p>
           <a:p>
             <a:pPr lvl="3"/>
             <a:r>
-              <a:rPr lang="fr-FR" smtClean="0"/>
+              <a:rPr lang="fr-FR"/>
               <a:t>Quatrième niveau</a:t>
             </a:r>
           </a:p>
           <a:p>
             <a:pPr lvl="4"/>
             <a:r>
-              <a:rPr lang="fr-FR" smtClean="0"/>
+              <a:rPr lang="fr-FR"/>
               <a:t>Cinquième niveau</a:t>
             </a:r>
             <a:endParaRPr lang="en-US" dirty="0"/>
@@ -2783,7 +2793,7 @@
           <a:p>
             <a:fld id="{48A87A34-81AB-432B-8DAE-1953F412C126}" type="datetimeFigureOut">
               <a:rPr lang="en-US" smtClean="0"/>
-              <a:t>1/9/2018</a:t>
+              <a:t>1/29/2018</a:t>
             </a:fld>
             <a:endParaRPr lang="en-US" dirty="0"/>
           </a:p>
@@ -2883,7 +2893,7 @@
           </a:lstStyle>
           <a:p>
             <a:r>
-              <a:rPr lang="fr-FR" smtClean="0"/>
+              <a:rPr lang="fr-FR"/>
               <a:t>Modifiez le style du titre</a:t>
             </a:r>
             <a:endParaRPr lang="en-US" dirty="0"/>
@@ -2907,35 +2917,35 @@
           <a:p>
             <a:pPr lvl="0"/>
             <a:r>
-              <a:rPr lang="fr-FR" smtClean="0"/>
+              <a:rPr lang="fr-FR"/>
               <a:t>Modifier les styles du texte du masque</a:t>
             </a:r>
           </a:p>
           <a:p>
             <a:pPr lvl="1"/>
             <a:r>
-              <a:rPr lang="fr-FR" smtClean="0"/>
+              <a:rPr lang="fr-FR"/>
               <a:t>Deuxième niveau</a:t>
             </a:r>
           </a:p>
           <a:p>
             <a:pPr lvl="2"/>
             <a:r>
-              <a:rPr lang="fr-FR" smtClean="0"/>
+              <a:rPr lang="fr-FR"/>
               <a:t>Troisième niveau</a:t>
             </a:r>
           </a:p>
           <a:p>
             <a:pPr lvl="3"/>
             <a:r>
-              <a:rPr lang="fr-FR" smtClean="0"/>
+              <a:rPr lang="fr-FR"/>
               <a:t>Quatrième niveau</a:t>
             </a:r>
           </a:p>
           <a:p>
             <a:pPr lvl="4"/>
             <a:r>
-              <a:rPr lang="fr-FR" smtClean="0"/>
+              <a:rPr lang="fr-FR"/>
               <a:t>Cinquième niveau</a:t>
             </a:r>
             <a:endParaRPr lang="en-US" dirty="0"/>
@@ -2959,7 +2969,7 @@
           <a:p>
             <a:fld id="{48A87A34-81AB-432B-8DAE-1953F412C126}" type="datetimeFigureOut">
               <a:rPr lang="en-US" smtClean="0"/>
-              <a:t>1/9/2018</a:t>
+              <a:t>1/29/2018</a:t>
             </a:fld>
             <a:endParaRPr lang="en-US" dirty="0"/>
           </a:p>
@@ -3062,7 +3072,7 @@
           </a:lstStyle>
           <a:p>
             <a:r>
-              <a:rPr lang="fr-FR" smtClean="0"/>
+              <a:rPr lang="fr-FR"/>
               <a:t>Modifiez le style du titre</a:t>
             </a:r>
             <a:endParaRPr lang="en-US" dirty="0"/>
@@ -3183,7 +3193,7 @@
           <a:p>
             <a:pPr lvl="0"/>
             <a:r>
-              <a:rPr lang="fr-FR" smtClean="0"/>
+              <a:rPr lang="fr-FR"/>
               <a:t>Modifier les styles du texte du masque</a:t>
             </a:r>
           </a:p>
@@ -3206,7 +3216,7 @@
           <a:p>
             <a:fld id="{48A87A34-81AB-432B-8DAE-1953F412C126}" type="datetimeFigureOut">
               <a:rPr lang="en-US" smtClean="0"/>
-              <a:t>1/9/2018</a:t>
+              <a:t>1/29/2018</a:t>
             </a:fld>
             <a:endParaRPr lang="en-US" dirty="0"/>
           </a:p>
@@ -3300,7 +3310,7 @@
           <a:lstStyle/>
           <a:p>
             <a:r>
-              <a:rPr lang="fr-FR" smtClean="0"/>
+              <a:rPr lang="fr-FR"/>
               <a:t>Modifiez le style du titre</a:t>
             </a:r>
             <a:endParaRPr lang="en-US" dirty="0"/>
@@ -3329,35 +3339,35 @@
           <a:p>
             <a:pPr lvl="0"/>
             <a:r>
-              <a:rPr lang="fr-FR" smtClean="0"/>
+              <a:rPr lang="fr-FR"/>
               <a:t>Modifier les styles du texte du masque</a:t>
             </a:r>
           </a:p>
           <a:p>
             <a:pPr lvl="1"/>
             <a:r>
-              <a:rPr lang="fr-FR" smtClean="0"/>
+              <a:rPr lang="fr-FR"/>
               <a:t>Deuxième niveau</a:t>
             </a:r>
           </a:p>
           <a:p>
             <a:pPr lvl="2"/>
             <a:r>
-              <a:rPr lang="fr-FR" smtClean="0"/>
+              <a:rPr lang="fr-FR"/>
               <a:t>Troisième niveau</a:t>
             </a:r>
           </a:p>
           <a:p>
             <a:pPr lvl="3"/>
             <a:r>
-              <a:rPr lang="fr-FR" smtClean="0"/>
+              <a:rPr lang="fr-FR"/>
               <a:t>Quatrième niveau</a:t>
             </a:r>
           </a:p>
           <a:p>
             <a:pPr lvl="4"/>
             <a:r>
-              <a:rPr lang="fr-FR" smtClean="0"/>
+              <a:rPr lang="fr-FR"/>
               <a:t>Cinquième niveau</a:t>
             </a:r>
             <a:endParaRPr lang="en-US" dirty="0"/>
@@ -3386,35 +3396,35 @@
           <a:p>
             <a:pPr lvl="0"/>
             <a:r>
-              <a:rPr lang="fr-FR" smtClean="0"/>
+              <a:rPr lang="fr-FR"/>
               <a:t>Modifier les styles du texte du masque</a:t>
             </a:r>
           </a:p>
           <a:p>
             <a:pPr lvl="1"/>
             <a:r>
-              <a:rPr lang="fr-FR" smtClean="0"/>
+              <a:rPr lang="fr-FR"/>
               <a:t>Deuxième niveau</a:t>
             </a:r>
           </a:p>
           <a:p>
             <a:pPr lvl="2"/>
             <a:r>
-              <a:rPr lang="fr-FR" smtClean="0"/>
+              <a:rPr lang="fr-FR"/>
               <a:t>Troisième niveau</a:t>
             </a:r>
           </a:p>
           <a:p>
             <a:pPr lvl="3"/>
             <a:r>
-              <a:rPr lang="fr-FR" smtClean="0"/>
+              <a:rPr lang="fr-FR"/>
               <a:t>Quatrième niveau</a:t>
             </a:r>
           </a:p>
           <a:p>
             <a:pPr lvl="4"/>
             <a:r>
-              <a:rPr lang="fr-FR" smtClean="0"/>
+              <a:rPr lang="fr-FR"/>
               <a:t>Cinquième niveau</a:t>
             </a:r>
             <a:endParaRPr lang="en-US" dirty="0"/>
@@ -3438,7 +3448,7 @@
           <a:p>
             <a:fld id="{48A87A34-81AB-432B-8DAE-1953F412C126}" type="datetimeFigureOut">
               <a:rPr lang="en-US" smtClean="0"/>
-              <a:t>1/9/2018</a:t>
+              <a:t>1/29/2018</a:t>
             </a:fld>
             <a:endParaRPr lang="en-US" dirty="0"/>
           </a:p>
@@ -3536,7 +3546,7 @@
           </a:lstStyle>
           <a:p>
             <a:r>
-              <a:rPr lang="fr-FR" smtClean="0"/>
+              <a:rPr lang="fr-FR"/>
               <a:t>Modifiez le style du titre</a:t>
             </a:r>
             <a:endParaRPr lang="en-US" dirty="0"/>
@@ -3604,7 +3614,7 @@
           <a:p>
             <a:pPr lvl="0"/>
             <a:r>
-              <a:rPr lang="fr-FR" smtClean="0"/>
+              <a:rPr lang="fr-FR"/>
               <a:t>Modifier les styles du texte du masque</a:t>
             </a:r>
           </a:p>
@@ -3634,35 +3644,35 @@
           <a:p>
             <a:pPr lvl="0"/>
             <a:r>
-              <a:rPr lang="fr-FR" smtClean="0"/>
+              <a:rPr lang="fr-FR"/>
               <a:t>Modifier les styles du texte du masque</a:t>
             </a:r>
           </a:p>
           <a:p>
             <a:pPr lvl="1"/>
             <a:r>
-              <a:rPr lang="fr-FR" smtClean="0"/>
+              <a:rPr lang="fr-FR"/>
               <a:t>Deuxième niveau</a:t>
             </a:r>
           </a:p>
           <a:p>
             <a:pPr lvl="2"/>
             <a:r>
-              <a:rPr lang="fr-FR" smtClean="0"/>
+              <a:rPr lang="fr-FR"/>
               <a:t>Troisième niveau</a:t>
             </a:r>
           </a:p>
           <a:p>
             <a:pPr lvl="3"/>
             <a:r>
-              <a:rPr lang="fr-FR" smtClean="0"/>
+              <a:rPr lang="fr-FR"/>
               <a:t>Quatrième niveau</a:t>
             </a:r>
           </a:p>
           <a:p>
             <a:pPr lvl="4"/>
             <a:r>
-              <a:rPr lang="fr-FR" smtClean="0"/>
+              <a:rPr lang="fr-FR"/>
               <a:t>Cinquième niveau</a:t>
             </a:r>
             <a:endParaRPr lang="en-US" dirty="0"/>
@@ -3730,7 +3740,7 @@
           <a:p>
             <a:pPr lvl="0"/>
             <a:r>
-              <a:rPr lang="fr-FR" smtClean="0"/>
+              <a:rPr lang="fr-FR"/>
               <a:t>Modifier les styles du texte du masque</a:t>
             </a:r>
           </a:p>
@@ -3760,35 +3770,35 @@
           <a:p>
             <a:pPr lvl="0"/>
             <a:r>
-              <a:rPr lang="fr-FR" smtClean="0"/>
+              <a:rPr lang="fr-FR"/>
               <a:t>Modifier les styles du texte du masque</a:t>
             </a:r>
           </a:p>
           <a:p>
             <a:pPr lvl="1"/>
             <a:r>
-              <a:rPr lang="fr-FR" smtClean="0"/>
+              <a:rPr lang="fr-FR"/>
               <a:t>Deuxième niveau</a:t>
             </a:r>
           </a:p>
           <a:p>
             <a:pPr lvl="2"/>
             <a:r>
-              <a:rPr lang="fr-FR" smtClean="0"/>
+              <a:rPr lang="fr-FR"/>
               <a:t>Troisième niveau</a:t>
             </a:r>
           </a:p>
           <a:p>
             <a:pPr lvl="3"/>
             <a:r>
-              <a:rPr lang="fr-FR" smtClean="0"/>
+              <a:rPr lang="fr-FR"/>
               <a:t>Quatrième niveau</a:t>
             </a:r>
           </a:p>
           <a:p>
             <a:pPr lvl="4"/>
             <a:r>
-              <a:rPr lang="fr-FR" smtClean="0"/>
+              <a:rPr lang="fr-FR"/>
               <a:t>Cinquième niveau</a:t>
             </a:r>
             <a:endParaRPr lang="en-US" dirty="0"/>
@@ -3812,7 +3822,7 @@
           <a:p>
             <a:fld id="{48A87A34-81AB-432B-8DAE-1953F412C126}" type="datetimeFigureOut">
               <a:rPr lang="en-US" smtClean="0"/>
-              <a:t>1/9/2018</a:t>
+              <a:t>1/29/2018</a:t>
             </a:fld>
             <a:endParaRPr lang="en-US" dirty="0"/>
           </a:p>
@@ -3911,7 +3921,7 @@
           <a:lstStyle/>
           <a:p>
             <a:r>
-              <a:rPr lang="fr-FR" smtClean="0"/>
+              <a:rPr lang="fr-FR"/>
               <a:t>Modifiez le style du titre</a:t>
             </a:r>
             <a:endParaRPr lang="en-US" dirty="0"/>
@@ -3935,7 +3945,7 @@
           <a:p>
             <a:fld id="{48A87A34-81AB-432B-8DAE-1953F412C126}" type="datetimeFigureOut">
               <a:rPr lang="en-US" smtClean="0"/>
-              <a:t>1/9/2018</a:t>
+              <a:t>1/29/2018</a:t>
             </a:fld>
             <a:endParaRPr lang="en-US" dirty="0"/>
           </a:p>
@@ -4030,7 +4040,7 @@
           <a:p>
             <a:fld id="{48A87A34-81AB-432B-8DAE-1953F412C126}" type="datetimeFigureOut">
               <a:rPr lang="en-US" smtClean="0"/>
-              <a:t>1/9/2018</a:t>
+              <a:t>1/29/2018</a:t>
             </a:fld>
             <a:endParaRPr lang="en-US" dirty="0"/>
           </a:p>
@@ -4135,7 +4145,7 @@
           </a:lstStyle>
           <a:p>
             <a:r>
-              <a:rPr lang="fr-FR" smtClean="0"/>
+              <a:rPr lang="fr-FR"/>
               <a:t>Modifiez le style du titre</a:t>
             </a:r>
             <a:endParaRPr lang="en-US" dirty="0"/>
@@ -4166,35 +4176,35 @@
           <a:p>
             <a:pPr lvl="0"/>
             <a:r>
-              <a:rPr lang="fr-FR" smtClean="0"/>
+              <a:rPr lang="fr-FR"/>
               <a:t>Modifier les styles du texte du masque</a:t>
             </a:r>
           </a:p>
           <a:p>
             <a:pPr lvl="1"/>
             <a:r>
-              <a:rPr lang="fr-FR" smtClean="0"/>
+              <a:rPr lang="fr-FR"/>
               <a:t>Deuxième niveau</a:t>
             </a:r>
           </a:p>
           <a:p>
             <a:pPr lvl="2"/>
             <a:r>
-              <a:rPr lang="fr-FR" smtClean="0"/>
+              <a:rPr lang="fr-FR"/>
               <a:t>Troisième niveau</a:t>
             </a:r>
           </a:p>
           <a:p>
             <a:pPr lvl="3"/>
             <a:r>
-              <a:rPr lang="fr-FR" smtClean="0"/>
+              <a:rPr lang="fr-FR"/>
               <a:t>Quatrième niveau</a:t>
             </a:r>
           </a:p>
           <a:p>
             <a:pPr lvl="4"/>
             <a:r>
-              <a:rPr lang="fr-FR" smtClean="0"/>
+              <a:rPr lang="fr-FR"/>
               <a:t>Cinquième niveau</a:t>
             </a:r>
             <a:endParaRPr lang="en-US" dirty="0"/>
@@ -4262,7 +4272,7 @@
           <a:p>
             <a:pPr lvl="0"/>
             <a:r>
-              <a:rPr lang="fr-FR" smtClean="0"/>
+              <a:rPr lang="fr-FR"/>
               <a:t>Modifier les styles du texte du masque</a:t>
             </a:r>
           </a:p>
@@ -4285,7 +4295,7 @@
           <a:p>
             <a:fld id="{48A87A34-81AB-432B-8DAE-1953F412C126}" type="datetimeFigureOut">
               <a:rPr lang="en-US" smtClean="0"/>
-              <a:t>1/9/2018</a:t>
+              <a:t>1/29/2018</a:t>
             </a:fld>
             <a:endParaRPr lang="en-US" dirty="0"/>
           </a:p>
@@ -4390,7 +4400,7 @@
           </a:lstStyle>
           <a:p>
             <a:r>
-              <a:rPr lang="fr-FR" smtClean="0"/>
+              <a:rPr lang="fr-FR"/>
               <a:t>Modifiez le style du titre</a:t>
             </a:r>
             <a:endParaRPr lang="en-US" dirty="0"/>
@@ -4457,7 +4467,7 @@
           </a:lstStyle>
           <a:p>
             <a:r>
-              <a:rPr lang="fr-FR" smtClean="0"/>
+              <a:rPr lang="fr-FR"/>
               <a:t>Cliquez sur l'icône pour ajouter une image</a:t>
             </a:r>
             <a:endParaRPr lang="en-US" dirty="0"/>
@@ -4525,7 +4535,7 @@
           <a:p>
             <a:pPr lvl="0"/>
             <a:r>
-              <a:rPr lang="fr-FR" smtClean="0"/>
+              <a:rPr lang="fr-FR"/>
               <a:t>Modifier les styles du texte du masque</a:t>
             </a:r>
           </a:p>
@@ -4548,7 +4558,7 @@
           <a:p>
             <a:fld id="{48A87A34-81AB-432B-8DAE-1953F412C126}" type="datetimeFigureOut">
               <a:rPr lang="en-US" smtClean="0"/>
-              <a:t>1/9/2018</a:t>
+              <a:t>1/29/2018</a:t>
             </a:fld>
             <a:endParaRPr lang="en-US" dirty="0"/>
           </a:p>
@@ -5189,7 +5199,7 @@
           <a:lstStyle/>
           <a:p>
             <a:r>
-              <a:rPr lang="fr-FR" smtClean="0"/>
+              <a:rPr lang="fr-FR"/>
               <a:t>Modifiez le style du titre</a:t>
             </a:r>
             <a:endParaRPr lang="en-US" dirty="0"/>
@@ -5223,35 +5233,35 @@
           <a:p>
             <a:pPr lvl="0"/>
             <a:r>
-              <a:rPr lang="fr-FR" smtClean="0"/>
+              <a:rPr lang="fr-FR"/>
               <a:t>Modifier les styles du texte du masque</a:t>
             </a:r>
           </a:p>
           <a:p>
             <a:pPr lvl="1"/>
             <a:r>
-              <a:rPr lang="fr-FR" smtClean="0"/>
+              <a:rPr lang="fr-FR"/>
               <a:t>Deuxième niveau</a:t>
             </a:r>
           </a:p>
           <a:p>
             <a:pPr lvl="2"/>
             <a:r>
-              <a:rPr lang="fr-FR" smtClean="0"/>
+              <a:rPr lang="fr-FR"/>
               <a:t>Troisième niveau</a:t>
             </a:r>
           </a:p>
           <a:p>
             <a:pPr lvl="3"/>
             <a:r>
-              <a:rPr lang="fr-FR" smtClean="0"/>
+              <a:rPr lang="fr-FR"/>
               <a:t>Quatrième niveau</a:t>
             </a:r>
           </a:p>
           <a:p>
             <a:pPr lvl="4"/>
             <a:r>
-              <a:rPr lang="fr-FR" smtClean="0"/>
+              <a:rPr lang="fr-FR"/>
               <a:t>Cinquième niveau</a:t>
             </a:r>
             <a:endParaRPr lang="en-US" dirty="0"/>
@@ -5294,7 +5304,7 @@
             <a:fld id="{48A87A34-81AB-432B-8DAE-1953F412C126}" type="datetimeFigureOut">
               <a:rPr lang="en-US" smtClean="0"/>
               <a:pPr/>
-              <a:t>1/9/2018</a:t>
+              <a:t>1/29/2018</a:t>
             </a:fld>
             <a:endParaRPr lang="en-US" dirty="0"/>
           </a:p>
@@ -5873,10 +5883,9 @@
           <a:p>
             <a:pPr algn="l"/>
             <a:r>
-              <a:rPr lang="fr-FR" dirty="0" smtClean="0"/>
+              <a:rPr lang="fr-FR" dirty="0"/>
               <a:t>Projet technique</a:t>
             </a:r>
-            <a:endParaRPr lang="fr-FR" dirty="0"/>
           </a:p>
         </p:txBody>
       </p:sp>
@@ -5904,7 +5913,7 @@
           <a:p>
             <a:pPr algn="l"/>
             <a:r>
-              <a:rPr lang="fr-FR" dirty="0" smtClean="0"/>
+              <a:rPr lang="fr-FR" dirty="0"/>
               <a:t>Partie commune :</a:t>
             </a:r>
           </a:p>
@@ -5916,21 +5925,8 @@
                   <a:schemeClr val="tx1"/>
                 </a:solidFill>
               </a:rPr>
-              <a:t>Gestion informatisée de prise de </a:t>
-            </a:r>
-            <a:r>
-              <a:rPr lang="fr-FR" dirty="0" smtClean="0">
-                <a:solidFill>
-                  <a:schemeClr val="tx1"/>
-                </a:solidFill>
-              </a:rPr>
-              <a:t>son</a:t>
-            </a:r>
-            <a:endParaRPr lang="fr-FR" dirty="0">
-              <a:solidFill>
-                <a:schemeClr val="tx1"/>
-              </a:solidFill>
-            </a:endParaRPr>
+              <a:t>Gestion informatisée de prise de son</a:t>
+            </a:r>
           </a:p>
         </p:txBody>
       </p:sp>
@@ -5976,10 +5972,9 @@
           </a:lstStyle>
           <a:p>
             <a:r>
-              <a:rPr lang="fr-FR" dirty="0" smtClean="0"/>
+              <a:rPr lang="fr-FR" dirty="0"/>
               <a:t>Présentation</a:t>
             </a:r>
-            <a:endParaRPr lang="fr-FR" dirty="0"/>
           </a:p>
         </p:txBody>
       </p:sp>
@@ -6007,25 +6002,8 @@
           <a:p>
             <a:r>
               <a:rPr lang="fr-FR" sz="1500" dirty="0"/>
-              <a:t>ANTONIO Arthur/LEGUEN </a:t>
-            </a:r>
-            <a:r>
-              <a:rPr lang="fr-FR" sz="1500" dirty="0"/>
-              <a:t>A</a:t>
-            </a:r>
-            <a:r>
-              <a:rPr lang="fr-FR" sz="1500" dirty="0" smtClean="0"/>
-              <a:t>ntoine/WATRIN </a:t>
-            </a:r>
-            <a:r>
-              <a:rPr lang="fr-FR" sz="1500" dirty="0"/>
-              <a:t>M</a:t>
-            </a:r>
-            <a:r>
-              <a:rPr lang="fr-FR" sz="1500" dirty="0" smtClean="0"/>
-              <a:t>axence</a:t>
-            </a:r>
-            <a:endParaRPr lang="fr-FR" sz="1500" dirty="0"/>
+              <a:t>ANTONIO Arthur/LEGUEN Antoine/WATRIN Maxence</a:t>
+            </a:r>
           </a:p>
           <a:p>
             <a:endParaRPr lang="fr-FR" sz="1500" dirty="0"/>
@@ -6036,6 +6014,854 @@
     <p:extLst>
       <p:ext uri="{BB962C8B-B14F-4D97-AF65-F5344CB8AC3E}">
         <p14:creationId xmlns:p14="http://schemas.microsoft.com/office/powerpoint/2010/main" val="393138480"/>
+      </p:ext>
+    </p:extLst>
+  </p:cSld>
+  <p:clrMapOvr>
+    <a:masterClrMapping/>
+  </p:clrMapOvr>
+</p:sld>
+</file>
+
+<file path=ppt/slides/slide2.xml><?xml version="1.0" encoding="utf-8"?>
+<p:sld xmlns:a="http://schemas.openxmlformats.org/drawingml/2006/main" xmlns:r="http://schemas.openxmlformats.org/officeDocument/2006/relationships" xmlns:p="http://schemas.openxmlformats.org/presentationml/2006/main">
+  <p:cSld>
+    <p:spTree>
+      <p:nvGrpSpPr>
+        <p:cNvPr id="1" name=""/>
+        <p:cNvGrpSpPr/>
+        <p:nvPr/>
+      </p:nvGrpSpPr>
+      <p:grpSpPr>
+        <a:xfrm>
+          <a:off x="0" y="0"/>
+          <a:ext cx="0" cy="0"/>
+          <a:chOff x="0" y="0"/>
+          <a:chExt cx="0" cy="0"/>
+        </a:xfrm>
+      </p:grpSpPr>
+      <p:sp>
+        <p:nvSpPr>
+          <p:cNvPr id="2" name="Titre 1">
+            <a:extLst>
+              <a:ext uri="{FF2B5EF4-FFF2-40B4-BE49-F238E27FC236}">
+                <a16:creationId xmlns:a16="http://schemas.microsoft.com/office/drawing/2014/main" id="{78C9F11F-469A-4592-8B73-BA21D597A7FD}"/>
+              </a:ext>
+            </a:extLst>
+          </p:cNvPr>
+          <p:cNvSpPr>
+            <a:spLocks noGrp="1"/>
+          </p:cNvSpPr>
+          <p:nvPr>
+            <p:ph type="title"/>
+          </p:nvPr>
+        </p:nvSpPr>
+        <p:spPr/>
+        <p:txBody>
+          <a:bodyPr/>
+          <a:lstStyle/>
+          <a:p>
+            <a:pPr algn="ctr"/>
+            <a:r>
+              <a:rPr lang="fr-FR" dirty="0"/>
+              <a:t>Tables des matières</a:t>
+            </a:r>
+            <a:br>
+              <a:rPr lang="fr-FR" dirty="0"/>
+            </a:br>
+            <a:endParaRPr lang="fr-FR" dirty="0"/>
+          </a:p>
+        </p:txBody>
+      </p:sp>
+      <p:sp>
+        <p:nvSpPr>
+          <p:cNvPr id="3" name="Espace réservé du contenu 2">
+            <a:extLst>
+              <a:ext uri="{FF2B5EF4-FFF2-40B4-BE49-F238E27FC236}">
+                <a16:creationId xmlns:a16="http://schemas.microsoft.com/office/drawing/2014/main" id="{42B915FD-065B-49F4-83F5-226C6030796C}"/>
+              </a:ext>
+            </a:extLst>
+          </p:cNvPr>
+          <p:cNvSpPr>
+            <a:spLocks noGrp="1"/>
+          </p:cNvSpPr>
+          <p:nvPr>
+            <p:ph idx="1"/>
+          </p:nvPr>
+        </p:nvSpPr>
+        <p:spPr/>
+        <p:txBody>
+          <a:bodyPr>
+            <a:normAutofit/>
+          </a:bodyPr>
+          <a:lstStyle/>
+          <a:p>
+            <a:r>
+              <a:rPr lang="fr-FR" dirty="0"/>
+              <a:t>Introduction…………………………………………………………………………………..…………………3</a:t>
+            </a:r>
+          </a:p>
+          <a:p>
+            <a:r>
+              <a:rPr lang="fr-FR" dirty="0"/>
+              <a:t>Le plan personnel………………………………………………………………………………………… 4/5</a:t>
+            </a:r>
+          </a:p>
+          <a:p>
+            <a:r>
+              <a:rPr lang="fr-FR" dirty="0"/>
+              <a:t>Le plan financier……………………………………………………………………………………………….6</a:t>
+            </a:r>
+          </a:p>
+          <a:p>
+            <a:r>
+              <a:rPr lang="fr-FR" dirty="0"/>
+              <a:t>Population cible…………………………………………………………………….……………….…………7</a:t>
+            </a:r>
+          </a:p>
+          <a:p>
+            <a:r>
+              <a:rPr lang="fr-FR" dirty="0"/>
+              <a:t>Les conclusions et propositions…………………………………………………………………….. </a:t>
+            </a:r>
+          </a:p>
+        </p:txBody>
+      </p:sp>
+    </p:spTree>
+    <p:extLst>
+      <p:ext uri="{BB962C8B-B14F-4D97-AF65-F5344CB8AC3E}">
+        <p14:creationId xmlns:p14="http://schemas.microsoft.com/office/powerpoint/2010/main" val="1476222492"/>
+      </p:ext>
+    </p:extLst>
+  </p:cSld>
+  <p:clrMapOvr>
+    <a:masterClrMapping/>
+  </p:clrMapOvr>
+</p:sld>
+</file>
+
+<file path=ppt/slides/slide3.xml><?xml version="1.0" encoding="utf-8"?>
+<p:sld xmlns:a="http://schemas.openxmlformats.org/drawingml/2006/main" xmlns:r="http://schemas.openxmlformats.org/officeDocument/2006/relationships" xmlns:p="http://schemas.openxmlformats.org/presentationml/2006/main">
+  <p:cSld>
+    <p:spTree>
+      <p:nvGrpSpPr>
+        <p:cNvPr id="1" name=""/>
+        <p:cNvGrpSpPr/>
+        <p:nvPr/>
+      </p:nvGrpSpPr>
+      <p:grpSpPr>
+        <a:xfrm>
+          <a:off x="0" y="0"/>
+          <a:ext cx="0" cy="0"/>
+          <a:chOff x="0" y="0"/>
+          <a:chExt cx="0" cy="0"/>
+        </a:xfrm>
+      </p:grpSpPr>
+      <p:sp>
+        <p:nvSpPr>
+          <p:cNvPr id="2" name="Titre 1">
+            <a:extLst>
+              <a:ext uri="{FF2B5EF4-FFF2-40B4-BE49-F238E27FC236}">
+                <a16:creationId xmlns:a16="http://schemas.microsoft.com/office/drawing/2014/main" id="{78C9F11F-469A-4592-8B73-BA21D597A7FD}"/>
+              </a:ext>
+            </a:extLst>
+          </p:cNvPr>
+          <p:cNvSpPr>
+            <a:spLocks noGrp="1"/>
+          </p:cNvSpPr>
+          <p:nvPr>
+            <p:ph type="title"/>
+          </p:nvPr>
+        </p:nvSpPr>
+        <p:spPr/>
+        <p:txBody>
+          <a:bodyPr/>
+          <a:lstStyle/>
+          <a:p>
+            <a:pPr algn="ctr"/>
+            <a:r>
+              <a:rPr lang="fr-FR" dirty="0"/>
+              <a:t>Introduction</a:t>
+            </a:r>
+          </a:p>
+        </p:txBody>
+      </p:sp>
+      <p:sp>
+        <p:nvSpPr>
+          <p:cNvPr id="3" name="Espace réservé du contenu 2">
+            <a:extLst>
+              <a:ext uri="{FF2B5EF4-FFF2-40B4-BE49-F238E27FC236}">
+                <a16:creationId xmlns:a16="http://schemas.microsoft.com/office/drawing/2014/main" id="{42B915FD-065B-49F4-83F5-226C6030796C}"/>
+              </a:ext>
+            </a:extLst>
+          </p:cNvPr>
+          <p:cNvSpPr>
+            <a:spLocks noGrp="1"/>
+          </p:cNvSpPr>
+          <p:nvPr>
+            <p:ph idx="1"/>
+          </p:nvPr>
+        </p:nvSpPr>
+        <p:spPr>
+          <a:xfrm>
+            <a:off x="677334" y="2200931"/>
+            <a:ext cx="8596668" cy="3880773"/>
+          </a:xfrm>
+        </p:spPr>
+        <p:txBody>
+          <a:bodyPr/>
+          <a:lstStyle/>
+          <a:p>
+            <a:r>
+              <a:rPr lang="fr-FR" dirty="0"/>
+              <a:t>Notre Project est conçu pour répondre au attente de CUBE STUDIO.</a:t>
+            </a:r>
+          </a:p>
+          <a:p>
+            <a:r>
+              <a:rPr lang="fr-FR" dirty="0"/>
+              <a:t>Cette entreprise se situe a Guyans-Durnes(25580).</a:t>
+            </a:r>
+          </a:p>
+          <a:p>
+            <a:r>
+              <a:rPr lang="fr-FR" dirty="0"/>
+              <a:t>Le but consiste a pouvoir placer un micro n'importe ou sur une enceinte de manière a aider les ingénieur son qui doivent se déplacer a chaque écoute pour recalibrer le micro a la tonalité voulu.</a:t>
+            </a:r>
+          </a:p>
+          <a:p>
+            <a:endParaRPr lang="fr-FR" dirty="0"/>
+          </a:p>
+        </p:txBody>
+      </p:sp>
+    </p:spTree>
+    <p:extLst>
+      <p:ext uri="{BB962C8B-B14F-4D97-AF65-F5344CB8AC3E}">
+        <p14:creationId xmlns:p14="http://schemas.microsoft.com/office/powerpoint/2010/main" val="980635653"/>
+      </p:ext>
+    </p:extLst>
+  </p:cSld>
+  <p:clrMapOvr>
+    <a:masterClrMapping/>
+  </p:clrMapOvr>
+</p:sld>
+</file>
+
+<file path=ppt/slides/slide4.xml><?xml version="1.0" encoding="utf-8"?>
+<p:sld xmlns:a="http://schemas.openxmlformats.org/drawingml/2006/main" xmlns:r="http://schemas.openxmlformats.org/officeDocument/2006/relationships" xmlns:p="http://schemas.openxmlformats.org/presentationml/2006/main">
+  <p:cSld>
+    <p:spTree>
+      <p:nvGrpSpPr>
+        <p:cNvPr id="1" name=""/>
+        <p:cNvGrpSpPr/>
+        <p:nvPr/>
+      </p:nvGrpSpPr>
+      <p:grpSpPr>
+        <a:xfrm>
+          <a:off x="0" y="0"/>
+          <a:ext cx="0" cy="0"/>
+          <a:chOff x="0" y="0"/>
+          <a:chExt cx="0" cy="0"/>
+        </a:xfrm>
+      </p:grpSpPr>
+      <p:sp>
+        <p:nvSpPr>
+          <p:cNvPr id="2" name="Titre 1">
+            <a:extLst>
+              <a:ext uri="{FF2B5EF4-FFF2-40B4-BE49-F238E27FC236}">
+                <a16:creationId xmlns:a16="http://schemas.microsoft.com/office/drawing/2014/main" id="{F6AC01D0-6038-483C-8B9E-32452CADA3E2}"/>
+              </a:ext>
+            </a:extLst>
+          </p:cNvPr>
+          <p:cNvSpPr>
+            <a:spLocks noGrp="1"/>
+          </p:cNvSpPr>
+          <p:nvPr>
+            <p:ph type="title"/>
+          </p:nvPr>
+        </p:nvSpPr>
+        <p:spPr/>
+        <p:txBody>
+          <a:bodyPr/>
+          <a:lstStyle/>
+          <a:p>
+            <a:pPr algn="ctr"/>
+            <a:r>
+              <a:rPr lang="fr-FR" dirty="0"/>
+              <a:t>Le plan personnel</a:t>
+            </a:r>
+          </a:p>
+        </p:txBody>
+      </p:sp>
+      <p:sp>
+        <p:nvSpPr>
+          <p:cNvPr id="3" name="Espace réservé du contenu 2">
+            <a:extLst>
+              <a:ext uri="{FF2B5EF4-FFF2-40B4-BE49-F238E27FC236}">
+                <a16:creationId xmlns:a16="http://schemas.microsoft.com/office/drawing/2014/main" id="{A2E7FE40-B8A7-4E03-BCAD-742C0B36BA02}"/>
+              </a:ext>
+            </a:extLst>
+          </p:cNvPr>
+          <p:cNvSpPr>
+            <a:spLocks noGrp="1"/>
+          </p:cNvSpPr>
+          <p:nvPr>
+            <p:ph idx="1"/>
+          </p:nvPr>
+        </p:nvSpPr>
+        <p:spPr/>
+        <p:txBody>
+          <a:bodyPr/>
+          <a:lstStyle/>
+          <a:p>
+            <a:pPr marL="0" indent="0">
+              <a:buNone/>
+            </a:pPr>
+            <a:r>
+              <a:rPr lang="fr-FR" dirty="0"/>
+              <a:t>Ce projet est diriger par Maxence </a:t>
+            </a:r>
+            <a:r>
+              <a:rPr lang="fr-FR" dirty="0" err="1"/>
+              <a:t>Watrin</a:t>
+            </a:r>
+            <a:r>
+              <a:rPr lang="fr-FR" dirty="0"/>
+              <a:t>, Arthur Antonio et Antoine Le Guen.</a:t>
+            </a:r>
+          </a:p>
+          <a:p>
+            <a:pPr marL="0" indent="0">
+              <a:buNone/>
+            </a:pPr>
+            <a:r>
+              <a:rPr lang="fr-FR" dirty="0"/>
+              <a:t>Nous avons donc commencer par un bras mécanique de robot d’usine mais le degré de liberté était trop faible car il était en rotation et ne pouvais atteindre tout les endroit voulu.</a:t>
+            </a:r>
+          </a:p>
+          <a:p>
+            <a:pPr marL="0" indent="0">
+              <a:buNone/>
+            </a:pPr>
+            <a:r>
+              <a:rPr lang="fr-FR" dirty="0"/>
+              <a:t>Nous sommes donc parti sur un mouvement axiale comme le moteur linéaire mais il n’est pas assez rapide sur de petit distance et son voltage est de 220V.</a:t>
+            </a:r>
+          </a:p>
+          <a:p>
+            <a:pPr marL="0" indent="0">
+              <a:buNone/>
+            </a:pPr>
+            <a:r>
+              <a:rPr lang="fr-FR" dirty="0"/>
+              <a:t>  </a:t>
+            </a:r>
+          </a:p>
+        </p:txBody>
+      </p:sp>
+      <p:pic>
+        <p:nvPicPr>
+          <p:cNvPr id="5" name="Image 4">
+            <a:extLst>
+              <a:ext uri="{FF2B5EF4-FFF2-40B4-BE49-F238E27FC236}">
+                <a16:creationId xmlns:a16="http://schemas.microsoft.com/office/drawing/2014/main" id="{FA08C5B8-2D52-4B95-95F7-7ACCC06D4AF6}"/>
+              </a:ext>
+            </a:extLst>
+          </p:cNvPr>
+          <p:cNvPicPr>
+            <a:picLocks noChangeAspect="1"/>
+          </p:cNvPicPr>
+          <p:nvPr/>
+        </p:nvPicPr>
+        <p:blipFill>
+          <a:blip r:embed="rId2"/>
+          <a:stretch>
+            <a:fillRect/>
+          </a:stretch>
+        </p:blipFill>
+        <p:spPr>
+          <a:xfrm>
+            <a:off x="0" y="4675471"/>
+            <a:ext cx="2182529" cy="2182529"/>
+          </a:xfrm>
+          <a:prstGeom prst="rect">
+            <a:avLst/>
+          </a:prstGeom>
+        </p:spPr>
+      </p:pic>
+      <p:pic>
+        <p:nvPicPr>
+          <p:cNvPr id="9" name="Image 8">
+            <a:extLst>
+              <a:ext uri="{FF2B5EF4-FFF2-40B4-BE49-F238E27FC236}">
+                <a16:creationId xmlns:a16="http://schemas.microsoft.com/office/drawing/2014/main" id="{A4EB15F1-06B6-485E-AFFA-4F4BFFBAC242}"/>
+              </a:ext>
+            </a:extLst>
+          </p:cNvPr>
+          <p:cNvPicPr>
+            <a:picLocks noChangeAspect="1"/>
+          </p:cNvPicPr>
+          <p:nvPr/>
+        </p:nvPicPr>
+        <p:blipFill>
+          <a:blip r:embed="rId3"/>
+          <a:stretch>
+            <a:fillRect/>
+          </a:stretch>
+        </p:blipFill>
+        <p:spPr>
+          <a:xfrm>
+            <a:off x="2182529" y="4675471"/>
+            <a:ext cx="2544454" cy="2215964"/>
+          </a:xfrm>
+          <a:prstGeom prst="rect">
+            <a:avLst/>
+          </a:prstGeom>
+        </p:spPr>
+      </p:pic>
+    </p:spTree>
+    <p:extLst>
+      <p:ext uri="{BB962C8B-B14F-4D97-AF65-F5344CB8AC3E}">
+        <p14:creationId xmlns:p14="http://schemas.microsoft.com/office/powerpoint/2010/main" val="1472050284"/>
+      </p:ext>
+    </p:extLst>
+  </p:cSld>
+  <p:clrMapOvr>
+    <a:masterClrMapping/>
+  </p:clrMapOvr>
+</p:sld>
+</file>
+
+<file path=ppt/slides/slide5.xml><?xml version="1.0" encoding="utf-8"?>
+<p:sld xmlns:a="http://schemas.openxmlformats.org/drawingml/2006/main" xmlns:r="http://schemas.openxmlformats.org/officeDocument/2006/relationships" xmlns:p="http://schemas.openxmlformats.org/presentationml/2006/main">
+  <p:cSld>
+    <p:spTree>
+      <p:nvGrpSpPr>
+        <p:cNvPr id="1" name=""/>
+        <p:cNvGrpSpPr/>
+        <p:nvPr/>
+      </p:nvGrpSpPr>
+      <p:grpSpPr>
+        <a:xfrm>
+          <a:off x="0" y="0"/>
+          <a:ext cx="0" cy="0"/>
+          <a:chOff x="0" y="0"/>
+          <a:chExt cx="0" cy="0"/>
+        </a:xfrm>
+      </p:grpSpPr>
+      <p:sp>
+        <p:nvSpPr>
+          <p:cNvPr id="2" name="Titre 1">
+            <a:extLst>
+              <a:ext uri="{FF2B5EF4-FFF2-40B4-BE49-F238E27FC236}">
+                <a16:creationId xmlns:a16="http://schemas.microsoft.com/office/drawing/2014/main" id="{4EED5987-CE3F-47F1-AA5A-B2B666B3DF10}"/>
+              </a:ext>
+            </a:extLst>
+          </p:cNvPr>
+          <p:cNvSpPr>
+            <a:spLocks noGrp="1"/>
+          </p:cNvSpPr>
+          <p:nvPr>
+            <p:ph type="title"/>
+          </p:nvPr>
+        </p:nvSpPr>
+        <p:spPr/>
+        <p:txBody>
+          <a:bodyPr/>
+          <a:lstStyle/>
+          <a:p>
+            <a:pPr algn="ctr"/>
+            <a:r>
+              <a:rPr lang="fr-FR" dirty="0"/>
+              <a:t>Le plan personnel</a:t>
+            </a:r>
+          </a:p>
+        </p:txBody>
+      </p:sp>
+      <p:sp>
+        <p:nvSpPr>
+          <p:cNvPr id="3" name="Espace réservé du contenu 2">
+            <a:extLst>
+              <a:ext uri="{FF2B5EF4-FFF2-40B4-BE49-F238E27FC236}">
+                <a16:creationId xmlns:a16="http://schemas.microsoft.com/office/drawing/2014/main" id="{FB472596-F8ED-42B8-946F-BBA6EC25CF08}"/>
+              </a:ext>
+            </a:extLst>
+          </p:cNvPr>
+          <p:cNvSpPr>
+            <a:spLocks noGrp="1"/>
+          </p:cNvSpPr>
+          <p:nvPr>
+            <p:ph idx="1"/>
+          </p:nvPr>
+        </p:nvSpPr>
+        <p:spPr>
+          <a:xfrm>
+            <a:off x="677334" y="2191585"/>
+            <a:ext cx="8596668" cy="3880773"/>
+          </a:xfrm>
+        </p:spPr>
+        <p:txBody>
+          <a:bodyPr/>
+          <a:lstStyle/>
+          <a:p>
+            <a:r>
+              <a:rPr lang="fr-FR" dirty="0"/>
+              <a:t>Nous sommes donc parti ensuite sur des moteur a courant continu  car le couple et la rotation sont assez important mais le problèmes sont qu’il saute régulièrement des pas et donc perte en précision.</a:t>
+            </a:r>
+          </a:p>
+          <a:p>
+            <a:r>
+              <a:rPr lang="fr-FR" dirty="0"/>
+              <a:t>Nous avons donc fini par prendre un moteur pas a pas unipolaire mais le couple étant pas assez important pour avoir une vitesse convenable nous sommes passer sur un moteur bipolaire a 12V qui est le Nema 17 et 24.</a:t>
+            </a:r>
+          </a:p>
+        </p:txBody>
+      </p:sp>
+      <p:pic>
+        <p:nvPicPr>
+          <p:cNvPr id="5" name="Image 4">
+            <a:extLst>
+              <a:ext uri="{FF2B5EF4-FFF2-40B4-BE49-F238E27FC236}">
+                <a16:creationId xmlns:a16="http://schemas.microsoft.com/office/drawing/2014/main" id="{B60D6077-823A-4EBA-B003-E1BBFC796063}"/>
+              </a:ext>
+            </a:extLst>
+          </p:cNvPr>
+          <p:cNvPicPr>
+            <a:picLocks noChangeAspect="1"/>
+          </p:cNvPicPr>
+          <p:nvPr/>
+        </p:nvPicPr>
+        <p:blipFill>
+          <a:blip r:embed="rId2"/>
+          <a:stretch>
+            <a:fillRect/>
+          </a:stretch>
+        </p:blipFill>
+        <p:spPr>
+          <a:xfrm>
+            <a:off x="6096000" y="5038354"/>
+            <a:ext cx="2817302" cy="1878201"/>
+          </a:xfrm>
+          <a:prstGeom prst="rect">
+            <a:avLst/>
+          </a:prstGeom>
+        </p:spPr>
+      </p:pic>
+      <p:pic>
+        <p:nvPicPr>
+          <p:cNvPr id="7" name="Image 6">
+            <a:extLst>
+              <a:ext uri="{FF2B5EF4-FFF2-40B4-BE49-F238E27FC236}">
+                <a16:creationId xmlns:a16="http://schemas.microsoft.com/office/drawing/2014/main" id="{2433CDC9-2347-4F78-850B-4AC1F4DA33A2}"/>
+              </a:ext>
+            </a:extLst>
+          </p:cNvPr>
+          <p:cNvPicPr>
+            <a:picLocks noChangeAspect="1"/>
+          </p:cNvPicPr>
+          <p:nvPr/>
+        </p:nvPicPr>
+        <p:blipFill>
+          <a:blip r:embed="rId3"/>
+          <a:stretch>
+            <a:fillRect/>
+          </a:stretch>
+        </p:blipFill>
+        <p:spPr>
+          <a:xfrm>
+            <a:off x="0" y="4979799"/>
+            <a:ext cx="1936756" cy="1936756"/>
+          </a:xfrm>
+          <a:prstGeom prst="rect">
+            <a:avLst/>
+          </a:prstGeom>
+        </p:spPr>
+      </p:pic>
+      <p:pic>
+        <p:nvPicPr>
+          <p:cNvPr id="9" name="Image 8" descr="Une image contenant texte, carte&#10;&#10;Description générée avec un niveau de confiance très élevé">
+            <a:extLst>
+              <a:ext uri="{FF2B5EF4-FFF2-40B4-BE49-F238E27FC236}">
+                <a16:creationId xmlns:a16="http://schemas.microsoft.com/office/drawing/2014/main" id="{45E696C8-51FD-453D-BF9C-4293B5B8B091}"/>
+              </a:ext>
+            </a:extLst>
+          </p:cNvPr>
+          <p:cNvPicPr>
+            <a:picLocks noChangeAspect="1"/>
+          </p:cNvPicPr>
+          <p:nvPr/>
+        </p:nvPicPr>
+        <p:blipFill>
+          <a:blip r:embed="rId4"/>
+          <a:stretch>
+            <a:fillRect/>
+          </a:stretch>
+        </p:blipFill>
+        <p:spPr>
+          <a:xfrm>
+            <a:off x="1885663" y="4950522"/>
+            <a:ext cx="4210337" cy="1936755"/>
+          </a:xfrm>
+          <a:prstGeom prst="rect">
+            <a:avLst/>
+          </a:prstGeom>
+        </p:spPr>
+      </p:pic>
+    </p:spTree>
+    <p:extLst>
+      <p:ext uri="{BB962C8B-B14F-4D97-AF65-F5344CB8AC3E}">
+        <p14:creationId xmlns:p14="http://schemas.microsoft.com/office/powerpoint/2010/main" val="3439255345"/>
+      </p:ext>
+    </p:extLst>
+  </p:cSld>
+  <p:clrMapOvr>
+    <a:masterClrMapping/>
+  </p:clrMapOvr>
+</p:sld>
+</file>
+
+<file path=ppt/slides/slide6.xml><?xml version="1.0" encoding="utf-8"?>
+<p:sld xmlns:a="http://schemas.openxmlformats.org/drawingml/2006/main" xmlns:r="http://schemas.openxmlformats.org/officeDocument/2006/relationships" xmlns:p="http://schemas.openxmlformats.org/presentationml/2006/main">
+  <p:cSld>
+    <p:spTree>
+      <p:nvGrpSpPr>
+        <p:cNvPr id="1" name=""/>
+        <p:cNvGrpSpPr/>
+        <p:nvPr/>
+      </p:nvGrpSpPr>
+      <p:grpSpPr>
+        <a:xfrm>
+          <a:off x="0" y="0"/>
+          <a:ext cx="0" cy="0"/>
+          <a:chOff x="0" y="0"/>
+          <a:chExt cx="0" cy="0"/>
+        </a:xfrm>
+      </p:grpSpPr>
+      <p:sp>
+        <p:nvSpPr>
+          <p:cNvPr id="2" name="Titre 1">
+            <a:extLst>
+              <a:ext uri="{FF2B5EF4-FFF2-40B4-BE49-F238E27FC236}">
+                <a16:creationId xmlns:a16="http://schemas.microsoft.com/office/drawing/2014/main" id="{B2EEFD07-5A40-4667-BD7C-0F083F253366}"/>
+              </a:ext>
+            </a:extLst>
+          </p:cNvPr>
+          <p:cNvSpPr>
+            <a:spLocks noGrp="1"/>
+          </p:cNvSpPr>
+          <p:nvPr>
+            <p:ph type="title"/>
+          </p:nvPr>
+        </p:nvSpPr>
+        <p:spPr/>
+        <p:txBody>
+          <a:bodyPr/>
+          <a:lstStyle/>
+          <a:p>
+            <a:pPr algn="ctr"/>
+            <a:r>
+              <a:rPr lang="fr-FR" dirty="0"/>
+              <a:t>Le plan financier</a:t>
+            </a:r>
+          </a:p>
+        </p:txBody>
+      </p:sp>
+      <p:sp>
+        <p:nvSpPr>
+          <p:cNvPr id="3" name="Espace réservé du contenu 2">
+            <a:extLst>
+              <a:ext uri="{FF2B5EF4-FFF2-40B4-BE49-F238E27FC236}">
+                <a16:creationId xmlns:a16="http://schemas.microsoft.com/office/drawing/2014/main" id="{A4F15437-8AEB-40E9-9342-C94F3B821548}"/>
+              </a:ext>
+            </a:extLst>
+          </p:cNvPr>
+          <p:cNvSpPr>
+            <a:spLocks noGrp="1"/>
+          </p:cNvSpPr>
+          <p:nvPr>
+            <p:ph idx="1"/>
+          </p:nvPr>
+        </p:nvSpPr>
+        <p:spPr/>
+        <p:txBody>
+          <a:bodyPr/>
+          <a:lstStyle/>
+          <a:p>
+            <a:r>
+              <a:rPr lang="fr-FR" dirty="0"/>
+              <a:t>Work in </a:t>
+            </a:r>
+            <a:r>
+              <a:rPr lang="fr-FR" dirty="0" err="1"/>
+              <a:t>progress</a:t>
+            </a:r>
+            <a:endParaRPr lang="fr-FR" dirty="0"/>
+          </a:p>
+        </p:txBody>
+      </p:sp>
+    </p:spTree>
+    <p:extLst>
+      <p:ext uri="{BB962C8B-B14F-4D97-AF65-F5344CB8AC3E}">
+        <p14:creationId xmlns:p14="http://schemas.microsoft.com/office/powerpoint/2010/main" val="1070331527"/>
+      </p:ext>
+    </p:extLst>
+  </p:cSld>
+  <p:clrMapOvr>
+    <a:masterClrMapping/>
+  </p:clrMapOvr>
+</p:sld>
+</file>
+
+<file path=ppt/slides/slide7.xml><?xml version="1.0" encoding="utf-8"?>
+<p:sld xmlns:a="http://schemas.openxmlformats.org/drawingml/2006/main" xmlns:r="http://schemas.openxmlformats.org/officeDocument/2006/relationships" xmlns:p="http://schemas.openxmlformats.org/presentationml/2006/main">
+  <p:cSld>
+    <p:spTree>
+      <p:nvGrpSpPr>
+        <p:cNvPr id="1" name=""/>
+        <p:cNvGrpSpPr/>
+        <p:nvPr/>
+      </p:nvGrpSpPr>
+      <p:grpSpPr>
+        <a:xfrm>
+          <a:off x="0" y="0"/>
+          <a:ext cx="0" cy="0"/>
+          <a:chOff x="0" y="0"/>
+          <a:chExt cx="0" cy="0"/>
+        </a:xfrm>
+      </p:grpSpPr>
+      <p:sp>
+        <p:nvSpPr>
+          <p:cNvPr id="2" name="Titre 1">
+            <a:extLst>
+              <a:ext uri="{FF2B5EF4-FFF2-40B4-BE49-F238E27FC236}">
+                <a16:creationId xmlns:a16="http://schemas.microsoft.com/office/drawing/2014/main" id="{07F470A0-3D4F-4CC6-B5DD-299759F3054E}"/>
+              </a:ext>
+            </a:extLst>
+          </p:cNvPr>
+          <p:cNvSpPr>
+            <a:spLocks noGrp="1"/>
+          </p:cNvSpPr>
+          <p:nvPr>
+            <p:ph type="title"/>
+          </p:nvPr>
+        </p:nvSpPr>
+        <p:spPr/>
+        <p:txBody>
+          <a:bodyPr/>
+          <a:lstStyle/>
+          <a:p>
+            <a:pPr algn="ctr"/>
+            <a:r>
+              <a:rPr lang="fr-FR" dirty="0"/>
+              <a:t>Population cible</a:t>
+            </a:r>
+          </a:p>
+        </p:txBody>
+      </p:sp>
+      <p:sp>
+        <p:nvSpPr>
+          <p:cNvPr id="3" name="Espace réservé du contenu 2">
+            <a:extLst>
+              <a:ext uri="{FF2B5EF4-FFF2-40B4-BE49-F238E27FC236}">
+                <a16:creationId xmlns:a16="http://schemas.microsoft.com/office/drawing/2014/main" id="{7D0E6FC1-79DB-49B4-BCD7-637DA60EA9A8}"/>
+              </a:ext>
+            </a:extLst>
+          </p:cNvPr>
+          <p:cNvSpPr>
+            <a:spLocks noGrp="1"/>
+          </p:cNvSpPr>
+          <p:nvPr>
+            <p:ph idx="1"/>
+          </p:nvPr>
+        </p:nvSpPr>
+        <p:spPr/>
+        <p:txBody>
+          <a:bodyPr/>
+          <a:lstStyle/>
+          <a:p>
+            <a:r>
+              <a:rPr lang="fr-FR" dirty="0"/>
+              <a:t>Le but de se projet est d’aider les ingénieur son qui doivent se déplacer a chaque nouvel essai et leur permettra de le faire depuis la salle d’enregistrement au lieu de se déplacer dans la salle studio.</a:t>
+            </a:r>
+          </a:p>
+          <a:p>
+            <a:r>
+              <a:rPr lang="fr-FR" dirty="0"/>
+              <a:t>Cela permettra de leurs faire gagner du temps car cela peut prendre 1h a régler les micro et les salles étant réglé a la demi-journée.</a:t>
+            </a:r>
+          </a:p>
+          <a:p>
+            <a:r>
+              <a:rPr lang="fr-FR" dirty="0"/>
+              <a:t>Cela permettra donc de faire du bénéfice pour les entreprises et donc de réduire les prix a la demi-journée.</a:t>
+            </a:r>
+          </a:p>
+        </p:txBody>
+      </p:sp>
+      <p:pic>
+        <p:nvPicPr>
+          <p:cNvPr id="5" name="Image 4" descr="Une image contenant plancher, intérieur, mur, cuisine&#10;&#10;Description générée avec un niveau de confiance très élevé">
+            <a:extLst>
+              <a:ext uri="{FF2B5EF4-FFF2-40B4-BE49-F238E27FC236}">
+                <a16:creationId xmlns:a16="http://schemas.microsoft.com/office/drawing/2014/main" id="{404C007A-C7A6-4A67-8136-9D02D5685E40}"/>
+              </a:ext>
+            </a:extLst>
+          </p:cNvPr>
+          <p:cNvPicPr>
+            <a:picLocks noChangeAspect="1"/>
+          </p:cNvPicPr>
+          <p:nvPr/>
+        </p:nvPicPr>
+        <p:blipFill>
+          <a:blip r:embed="rId2"/>
+          <a:stretch>
+            <a:fillRect/>
+          </a:stretch>
+        </p:blipFill>
+        <p:spPr>
+          <a:xfrm>
+            <a:off x="-22413" y="4848225"/>
+            <a:ext cx="3022041" cy="2009775"/>
+          </a:xfrm>
+          <a:prstGeom prst="rect">
+            <a:avLst/>
+          </a:prstGeom>
+        </p:spPr>
+      </p:pic>
+      <p:pic>
+        <p:nvPicPr>
+          <p:cNvPr id="7" name="Image 6" descr="Une image contenant intérieur, mur&#10;&#10;Description générée avec un niveau de confiance très élevé">
+            <a:extLst>
+              <a:ext uri="{FF2B5EF4-FFF2-40B4-BE49-F238E27FC236}">
+                <a16:creationId xmlns:a16="http://schemas.microsoft.com/office/drawing/2014/main" id="{1C74D77A-2C50-4C9B-B7BA-76600BB04B0E}"/>
+              </a:ext>
+            </a:extLst>
+          </p:cNvPr>
+          <p:cNvPicPr>
+            <a:picLocks noChangeAspect="1"/>
+          </p:cNvPicPr>
+          <p:nvPr/>
+        </p:nvPicPr>
+        <p:blipFill>
+          <a:blip r:embed="rId3"/>
+          <a:stretch>
+            <a:fillRect/>
+          </a:stretch>
+        </p:blipFill>
+        <p:spPr>
+          <a:xfrm>
+            <a:off x="2999628" y="4848225"/>
+            <a:ext cx="2990850" cy="2009775"/>
+          </a:xfrm>
+          <a:prstGeom prst="rect">
+            <a:avLst/>
+          </a:prstGeom>
+        </p:spPr>
+      </p:pic>
+    </p:spTree>
+    <p:extLst>
+      <p:ext uri="{BB962C8B-B14F-4D97-AF65-F5344CB8AC3E}">
+        <p14:creationId xmlns:p14="http://schemas.microsoft.com/office/powerpoint/2010/main" val="4107624077"/>
       </p:ext>
     </p:extLst>
   </p:cSld>

--- a/A trier/Présentation Projet technique.pptx
+++ b/A trier/Présentation Projet technique.pptx
@@ -846,7 +846,7 @@
           <a:p>
             <a:fld id="{48A87A34-81AB-432B-8DAE-1953F412C126}" type="datetimeFigureOut">
               <a:rPr lang="en-US" smtClean="0"/>
-              <a:t>1/29/2018</a:t>
+              <a:t>1/30/2018</a:t>
             </a:fld>
             <a:endParaRPr lang="en-US" dirty="0"/>
           </a:p>
@@ -1097,7 +1097,7 @@
           <a:p>
             <a:fld id="{48A87A34-81AB-432B-8DAE-1953F412C126}" type="datetimeFigureOut">
               <a:rPr lang="en-US" smtClean="0"/>
-              <a:t>1/29/2018</a:t>
+              <a:t>1/30/2018</a:t>
             </a:fld>
             <a:endParaRPr lang="en-US" dirty="0"/>
           </a:p>
@@ -1411,7 +1411,7 @@
           <a:p>
             <a:fld id="{48A87A34-81AB-432B-8DAE-1953F412C126}" type="datetimeFigureOut">
               <a:rPr lang="en-US" smtClean="0"/>
-              <a:t>1/29/2018</a:t>
+              <a:t>1/30/2018</a:t>
             </a:fld>
             <a:endParaRPr lang="en-US" dirty="0"/>
           </a:p>
@@ -1738,7 +1738,7 @@
           <a:p>
             <a:fld id="{48A87A34-81AB-432B-8DAE-1953F412C126}" type="datetimeFigureOut">
               <a:rPr lang="en-US" smtClean="0"/>
-              <a:t>1/29/2018</a:t>
+              <a:t>1/30/2018</a:t>
             </a:fld>
             <a:endParaRPr lang="en-US" dirty="0"/>
           </a:p>
@@ -2053,7 +2053,7 @@
             <a:fld id="{48A87A34-81AB-432B-8DAE-1953F412C126}" type="datetimeFigureOut">
               <a:rPr lang="en-US" smtClean="0"/>
               <a:pPr/>
-              <a:t>1/29/2018</a:t>
+              <a:t>1/30/2018</a:t>
             </a:fld>
             <a:endParaRPr lang="en-US" dirty="0"/>
           </a:p>
@@ -2442,7 +2442,7 @@
             <a:fld id="{48A87A34-81AB-432B-8DAE-1953F412C126}" type="datetimeFigureOut">
               <a:rPr lang="en-US" smtClean="0"/>
               <a:pPr/>
-              <a:t>1/29/2018</a:t>
+              <a:t>1/30/2018</a:t>
             </a:fld>
             <a:endParaRPr lang="en-US" dirty="0"/>
           </a:p>
@@ -2613,7 +2613,7 @@
           <a:p>
             <a:fld id="{48A87A34-81AB-432B-8DAE-1953F412C126}" type="datetimeFigureOut">
               <a:rPr lang="en-US" smtClean="0"/>
-              <a:t>1/29/2018</a:t>
+              <a:t>1/30/2018</a:t>
             </a:fld>
             <a:endParaRPr lang="en-US" dirty="0"/>
           </a:p>
@@ -2793,7 +2793,7 @@
           <a:p>
             <a:fld id="{48A87A34-81AB-432B-8DAE-1953F412C126}" type="datetimeFigureOut">
               <a:rPr lang="en-US" smtClean="0"/>
-              <a:t>1/29/2018</a:t>
+              <a:t>1/30/2018</a:t>
             </a:fld>
             <a:endParaRPr lang="en-US" dirty="0"/>
           </a:p>
@@ -2969,7 +2969,7 @@
           <a:p>
             <a:fld id="{48A87A34-81AB-432B-8DAE-1953F412C126}" type="datetimeFigureOut">
               <a:rPr lang="en-US" smtClean="0"/>
-              <a:t>1/29/2018</a:t>
+              <a:t>1/30/2018</a:t>
             </a:fld>
             <a:endParaRPr lang="en-US" dirty="0"/>
           </a:p>
@@ -3216,7 +3216,7 @@
           <a:p>
             <a:fld id="{48A87A34-81AB-432B-8DAE-1953F412C126}" type="datetimeFigureOut">
               <a:rPr lang="en-US" smtClean="0"/>
-              <a:t>1/29/2018</a:t>
+              <a:t>1/30/2018</a:t>
             </a:fld>
             <a:endParaRPr lang="en-US" dirty="0"/>
           </a:p>
@@ -3448,7 +3448,7 @@
           <a:p>
             <a:fld id="{48A87A34-81AB-432B-8DAE-1953F412C126}" type="datetimeFigureOut">
               <a:rPr lang="en-US" smtClean="0"/>
-              <a:t>1/29/2018</a:t>
+              <a:t>1/30/2018</a:t>
             </a:fld>
             <a:endParaRPr lang="en-US" dirty="0"/>
           </a:p>
@@ -3822,7 +3822,7 @@
           <a:p>
             <a:fld id="{48A87A34-81AB-432B-8DAE-1953F412C126}" type="datetimeFigureOut">
               <a:rPr lang="en-US" smtClean="0"/>
-              <a:t>1/29/2018</a:t>
+              <a:t>1/30/2018</a:t>
             </a:fld>
             <a:endParaRPr lang="en-US" dirty="0"/>
           </a:p>
@@ -3945,7 +3945,7 @@
           <a:p>
             <a:fld id="{48A87A34-81AB-432B-8DAE-1953F412C126}" type="datetimeFigureOut">
               <a:rPr lang="en-US" smtClean="0"/>
-              <a:t>1/29/2018</a:t>
+              <a:t>1/30/2018</a:t>
             </a:fld>
             <a:endParaRPr lang="en-US" dirty="0"/>
           </a:p>
@@ -4040,7 +4040,7 @@
           <a:p>
             <a:fld id="{48A87A34-81AB-432B-8DAE-1953F412C126}" type="datetimeFigureOut">
               <a:rPr lang="en-US" smtClean="0"/>
-              <a:t>1/29/2018</a:t>
+              <a:t>1/30/2018</a:t>
             </a:fld>
             <a:endParaRPr lang="en-US" dirty="0"/>
           </a:p>
@@ -4295,7 +4295,7 @@
           <a:p>
             <a:fld id="{48A87A34-81AB-432B-8DAE-1953F412C126}" type="datetimeFigureOut">
               <a:rPr lang="en-US" smtClean="0"/>
-              <a:t>1/29/2018</a:t>
+              <a:t>1/30/2018</a:t>
             </a:fld>
             <a:endParaRPr lang="en-US" dirty="0"/>
           </a:p>
@@ -4558,7 +4558,7 @@
           <a:p>
             <a:fld id="{48A87A34-81AB-432B-8DAE-1953F412C126}" type="datetimeFigureOut">
               <a:rPr lang="en-US" smtClean="0"/>
-              <a:t>1/29/2018</a:t>
+              <a:t>1/30/2018</a:t>
             </a:fld>
             <a:endParaRPr lang="en-US" dirty="0"/>
           </a:p>
@@ -5304,7 +5304,7 @@
             <a:fld id="{48A87A34-81AB-432B-8DAE-1953F412C126}" type="datetimeFigureOut">
               <a:rPr lang="en-US" smtClean="0"/>
               <a:pPr/>
-              <a:t>1/29/2018</a:t>
+              <a:t>1/30/2018</a:t>
             </a:fld>
             <a:endParaRPr lang="en-US" dirty="0"/>
           </a:p>
@@ -6110,7 +6110,19 @@
           <a:p>
             <a:r>
               <a:rPr lang="fr-FR" dirty="0"/>
-              <a:t>Le plan financier……………………………………………………………………………………………….6</a:t>
+              <a:t>Le plan </a:t>
+            </a:r>
+            <a:r>
+              <a:rPr lang="fr-FR" dirty="0" err="1" smtClean="0"/>
+              <a:t>financié</a:t>
+            </a:r>
+            <a:r>
+              <a:rPr lang="fr-FR" dirty="0" smtClean="0"/>
+              <a:t>……………………………………………………………………………………………….</a:t>
+            </a:r>
+            <a:r>
+              <a:rPr lang="fr-FR" dirty="0"/>
+              <a:t>6</a:t>
             </a:r>
           </a:p>
           <a:p>
@@ -6214,20 +6226,42 @@
           <a:p>
             <a:r>
               <a:rPr lang="fr-FR" dirty="0"/>
-              <a:t>Notre Project est conçu pour répondre au attente de CUBE STUDIO.</a:t>
-            </a:r>
-          </a:p>
-          <a:p>
+              <a:t>Notre Project est conçu pour répondre </a:t>
+            </a:r>
+            <a:r>
+              <a:rPr lang="fr-FR" dirty="0" smtClean="0"/>
+              <a:t>aux attentes </a:t>
+            </a:r>
             <a:r>
               <a:rPr lang="fr-FR" dirty="0"/>
-              <a:t>Cette entreprise se situe a Guyans-Durnes(25580).</a:t>
-            </a:r>
+              <a:t>de CUBE </a:t>
+            </a:r>
+            <a:r>
+              <a:rPr lang="fr-FR" dirty="0" smtClean="0"/>
+              <a:t>STUDIO, studios d’enregistrement musical.</a:t>
+            </a:r>
+            <a:endParaRPr lang="fr-FR" dirty="0"/>
           </a:p>
           <a:p>
             <a:r>
               <a:rPr lang="fr-FR" dirty="0"/>
-              <a:t>Le but consiste a pouvoir placer un micro n'importe ou sur une enceinte de manière a aider les ingénieur son qui doivent se déplacer a chaque écoute pour recalibrer le micro a la tonalité voulu.</a:t>
-            </a:r>
+              <a:t>Cette entreprise se situe </a:t>
+            </a:r>
+            <a:r>
+              <a:rPr lang="fr-FR" dirty="0" smtClean="0"/>
+              <a:t>à </a:t>
+            </a:r>
+            <a:r>
+              <a:rPr lang="fr-FR" dirty="0"/>
+              <a:t>Guyans-Durnes(25580).</a:t>
+            </a:r>
+          </a:p>
+          <a:p>
+            <a:r>
+              <a:rPr lang="fr-FR" dirty="0" smtClean="0"/>
+              <a:t>Finalité du projet : Créer un module linéaire, avec un déplacement sur les axes X,Y et Z, permettant le placement d’un micro de prise de son à distance et hors de la salle insonorisée.</a:t>
+            </a:r>
+            <a:endParaRPr lang="fr-FR" dirty="0"/>
           </a:p>
           <a:p>
             <a:endParaRPr lang="fr-FR" dirty="0"/>
@@ -6319,7 +6353,15 @@
             </a:pPr>
             <a:r>
               <a:rPr lang="fr-FR" dirty="0"/>
-              <a:t>Ce projet est diriger par Maxence </a:t>
+              <a:t>Ce projet est </a:t>
+            </a:r>
+            <a:r>
+              <a:rPr lang="fr-FR" dirty="0" smtClean="0"/>
+              <a:t>dirigé </a:t>
+            </a:r>
+            <a:r>
+              <a:rPr lang="fr-FR" dirty="0"/>
+              <a:t>par Maxence </a:t>
             </a:r>
             <a:r>
               <a:rPr lang="fr-FR" dirty="0" err="1"/>
@@ -6336,7 +6378,23 @@
             </a:pPr>
             <a:r>
               <a:rPr lang="fr-FR" dirty="0"/>
-              <a:t>Nous avons donc commencer par un bras mécanique de robot d’usine mais le degré de liberté était trop faible car il était en rotation et ne pouvais atteindre tout les endroit voulu.</a:t>
+              <a:t>Nous avons donc </a:t>
+            </a:r>
+            <a:r>
+              <a:rPr lang="fr-FR" dirty="0" smtClean="0"/>
+              <a:t>commencé </a:t>
+            </a:r>
+            <a:r>
+              <a:rPr lang="fr-FR" dirty="0"/>
+              <a:t>par un bras mécanique de robot </a:t>
+            </a:r>
+            <a:r>
+              <a:rPr lang="fr-FR" dirty="0" smtClean="0"/>
+              <a:t>avec axe rotatif. Mais nous nous sommes rapidement rendu compte que cette rotation poserait problème quant aux variations de distance en effectuant des changements de position. </a:t>
+            </a:r>
+            <a:r>
+              <a:rPr lang="fr-FR" dirty="0" smtClean="0"/>
+              <a:t> </a:t>
             </a:r>
           </a:p>
           <a:p>
@@ -6344,9 +6402,26 @@
               <a:buNone/>
             </a:pPr>
             <a:r>
+              <a:rPr lang="fr-FR" dirty="0" smtClean="0"/>
+              <a:t>Nous </a:t>
+            </a:r>
+            <a:r>
               <a:rPr lang="fr-FR" dirty="0"/>
-              <a:t>Nous sommes donc parti sur un mouvement axiale comme le moteur linéaire mais il n’est pas assez rapide sur de petit distance et son voltage est de 220V.</a:t>
-            </a:r>
+              <a:t>sommes donc parti sur un mouvement axiale </a:t>
+            </a:r>
+            <a:r>
+              <a:rPr lang="fr-FR" dirty="0" smtClean="0"/>
+              <a:t>linéaire comme </a:t>
+            </a:r>
+            <a:r>
+              <a:rPr lang="fr-FR" dirty="0"/>
+              <a:t>le moteur linéaire mais il n’est pas assez rapide sur de petit distance et son voltage est de </a:t>
+            </a:r>
+            <a:r>
+              <a:rPr lang="fr-FR" dirty="0" smtClean="0"/>
+              <a:t>220V. </a:t>
+            </a:r>
+            <a:endParaRPr lang="fr-FR" dirty="0"/>
           </a:p>
           <a:p>
             <a:pPr marL="0" indent="0">
@@ -6506,7 +6581,31 @@
           <a:p>
             <a:r>
               <a:rPr lang="fr-FR" dirty="0"/>
-              <a:t>Nous sommes donc parti ensuite sur des moteur a courant continu  car le couple et la rotation sont assez important mais le problèmes sont qu’il saute régulièrement des pas et donc perte en précision.</a:t>
+              <a:t>Nous sommes donc parti ensuite sur des </a:t>
+            </a:r>
+            <a:r>
+              <a:rPr lang="fr-FR" dirty="0" smtClean="0"/>
+              <a:t>moteurs </a:t>
+            </a:r>
+            <a:r>
+              <a:rPr lang="fr-FR" dirty="0"/>
+              <a:t>à</a:t>
+            </a:r>
+            <a:r>
+              <a:rPr lang="fr-FR" dirty="0" smtClean="0"/>
+              <a:t> </a:t>
+            </a:r>
+            <a:r>
+              <a:rPr lang="fr-FR" dirty="0"/>
+              <a:t>courant continu </a:t>
+            </a:r>
+            <a:r>
+              <a:rPr lang="fr-FR" dirty="0" smtClean="0"/>
+              <a:t>car </a:t>
+            </a:r>
+            <a:r>
+              <a:rPr lang="fr-FR" dirty="0"/>
+              <a:t>le couple et la rotation sont assez important mais le problèmes sont qu’il saute régulièrement des pas et donc perte en précision.</a:t>
             </a:r>
           </a:p>
           <a:p>
@@ -6781,20 +6880,60 @@
           <a:p>
             <a:r>
               <a:rPr lang="fr-FR" dirty="0"/>
-              <a:t>Le but de se projet est d’aider les ingénieur son qui doivent se déplacer a chaque nouvel essai et leur permettra de le faire depuis la salle d’enregistrement au lieu de se déplacer dans la salle studio.</a:t>
-            </a:r>
-          </a:p>
-          <a:p>
+              <a:t>Le but de </a:t>
+            </a:r>
+            <a:r>
+              <a:rPr lang="fr-FR" dirty="0" smtClean="0"/>
+              <a:t>ce </a:t>
+            </a:r>
             <a:r>
               <a:rPr lang="fr-FR" dirty="0"/>
-              <a:t>Cela permettra de leurs faire gagner du temps car cela peut prendre 1h a régler les micro et les salles étant réglé a la demi-journée.</a:t>
-            </a:r>
-          </a:p>
-          <a:p>
+              <a:t>projet est d’aider les </a:t>
+            </a:r>
+            <a:r>
+              <a:rPr lang="fr-FR" dirty="0" smtClean="0"/>
+              <a:t>ingénieurs </a:t>
+            </a:r>
             <a:r>
               <a:rPr lang="fr-FR" dirty="0"/>
-              <a:t>Cela permettra donc de faire du bénéfice pour les entreprises et donc de réduire les prix a la demi-journée.</a:t>
-            </a:r>
+              <a:t>son qui doivent se déplacer </a:t>
+            </a:r>
+            <a:r>
+              <a:rPr lang="fr-FR" dirty="0" smtClean="0"/>
+              <a:t>à </a:t>
+            </a:r>
+            <a:r>
+              <a:rPr lang="fr-FR" dirty="0"/>
+              <a:t>chaque nouvel essai et leur permettra de le faire depuis la salle d’enregistrement au lieu de se déplacer dans la salle </a:t>
+            </a:r>
+            <a:r>
+              <a:rPr lang="fr-FR" dirty="0" smtClean="0"/>
+              <a:t>insonorisée</a:t>
+            </a:r>
+            <a:r>
+              <a:rPr lang="fr-FR" dirty="0" smtClean="0"/>
+              <a:t>.</a:t>
+            </a:r>
+            <a:endParaRPr lang="fr-FR" dirty="0"/>
+          </a:p>
+          <a:p>
+            <a:r>
+              <a:rPr lang="fr-FR" dirty="0"/>
+              <a:t>Cela permettra </a:t>
+            </a:r>
+            <a:r>
+              <a:rPr lang="fr-FR" dirty="0" smtClean="0"/>
+              <a:t>de </a:t>
+            </a:r>
+            <a:r>
+              <a:rPr lang="fr-FR" dirty="0"/>
+              <a:t>gagner du temps car cela peut prendre 1h a régler les </a:t>
+            </a:r>
+            <a:r>
+              <a:rPr lang="fr-FR" dirty="0" smtClean="0"/>
+              <a:t>micros d’enregistrement, et la location d’un studios est onéreuse.</a:t>
+            </a:r>
+            <a:endParaRPr lang="fr-FR" dirty="0"/>
           </a:p>
         </p:txBody>
       </p:sp>
